--- a/Images/SI6.pptx
+++ b/Images/SI6.pptx
@@ -197,7 +197,7 @@
           <a:p>
             <a:fld id="{0C45F89B-D0D3-4AC5-836F-869636F86470}" type="datetimeFigureOut">
               <a:rPr lang="en-US" smtClean="0"/>
-              <a:t>9/8/2021</a:t>
+              <a:t>10/1/2021</a:t>
             </a:fld>
             <a:endParaRPr lang="en-US"/>
           </a:p>
@@ -595,7 +595,7 @@
           <a:p>
             <a:fld id="{1516511B-B61A-47A9-97DC-35FBB5E54714}" type="datetimeFigureOut">
               <a:rPr lang="en-US" smtClean="0"/>
-              <a:t>9/8/2021</a:t>
+              <a:t>10/1/2021</a:t>
             </a:fld>
             <a:endParaRPr lang="en-US"/>
           </a:p>
@@ -765,7 +765,7 @@
           <a:p>
             <a:fld id="{1516511B-B61A-47A9-97DC-35FBB5E54714}" type="datetimeFigureOut">
               <a:rPr lang="en-US" smtClean="0"/>
-              <a:t>9/8/2021</a:t>
+              <a:t>10/1/2021</a:t>
             </a:fld>
             <a:endParaRPr lang="en-US"/>
           </a:p>
@@ -945,7 +945,7 @@
           <a:p>
             <a:fld id="{1516511B-B61A-47A9-97DC-35FBB5E54714}" type="datetimeFigureOut">
               <a:rPr lang="en-US" smtClean="0"/>
-              <a:t>9/8/2021</a:t>
+              <a:t>10/1/2021</a:t>
             </a:fld>
             <a:endParaRPr lang="en-US"/>
           </a:p>
@@ -1115,7 +1115,7 @@
           <a:p>
             <a:fld id="{1516511B-B61A-47A9-97DC-35FBB5E54714}" type="datetimeFigureOut">
               <a:rPr lang="en-US" smtClean="0"/>
-              <a:t>9/8/2021</a:t>
+              <a:t>10/1/2021</a:t>
             </a:fld>
             <a:endParaRPr lang="en-US"/>
           </a:p>
@@ -1361,7 +1361,7 @@
           <a:p>
             <a:fld id="{1516511B-B61A-47A9-97DC-35FBB5E54714}" type="datetimeFigureOut">
               <a:rPr lang="en-US" smtClean="0"/>
-              <a:t>9/8/2021</a:t>
+              <a:t>10/1/2021</a:t>
             </a:fld>
             <a:endParaRPr lang="en-US"/>
           </a:p>
@@ -1593,7 +1593,7 @@
           <a:p>
             <a:fld id="{1516511B-B61A-47A9-97DC-35FBB5E54714}" type="datetimeFigureOut">
               <a:rPr lang="en-US" smtClean="0"/>
-              <a:t>9/8/2021</a:t>
+              <a:t>10/1/2021</a:t>
             </a:fld>
             <a:endParaRPr lang="en-US"/>
           </a:p>
@@ -1960,7 +1960,7 @@
           <a:p>
             <a:fld id="{1516511B-B61A-47A9-97DC-35FBB5E54714}" type="datetimeFigureOut">
               <a:rPr lang="en-US" smtClean="0"/>
-              <a:t>9/8/2021</a:t>
+              <a:t>10/1/2021</a:t>
             </a:fld>
             <a:endParaRPr lang="en-US"/>
           </a:p>
@@ -2078,7 +2078,7 @@
           <a:p>
             <a:fld id="{1516511B-B61A-47A9-97DC-35FBB5E54714}" type="datetimeFigureOut">
               <a:rPr lang="en-US" smtClean="0"/>
-              <a:t>9/8/2021</a:t>
+              <a:t>10/1/2021</a:t>
             </a:fld>
             <a:endParaRPr lang="en-US"/>
           </a:p>
@@ -2173,7 +2173,7 @@
           <a:p>
             <a:fld id="{1516511B-B61A-47A9-97DC-35FBB5E54714}" type="datetimeFigureOut">
               <a:rPr lang="en-US" smtClean="0"/>
-              <a:t>9/8/2021</a:t>
+              <a:t>10/1/2021</a:t>
             </a:fld>
             <a:endParaRPr lang="en-US"/>
           </a:p>
@@ -2450,7 +2450,7 @@
           <a:p>
             <a:fld id="{1516511B-B61A-47A9-97DC-35FBB5E54714}" type="datetimeFigureOut">
               <a:rPr lang="en-US" smtClean="0"/>
-              <a:t>9/8/2021</a:t>
+              <a:t>10/1/2021</a:t>
             </a:fld>
             <a:endParaRPr lang="en-US"/>
           </a:p>
@@ -2707,7 +2707,7 @@
           <a:p>
             <a:fld id="{1516511B-B61A-47A9-97DC-35FBB5E54714}" type="datetimeFigureOut">
               <a:rPr lang="en-US" smtClean="0"/>
-              <a:t>9/8/2021</a:t>
+              <a:t>10/1/2021</a:t>
             </a:fld>
             <a:endParaRPr lang="en-US"/>
           </a:p>
@@ -2920,7 +2920,7 @@
           <a:p>
             <a:fld id="{1516511B-B61A-47A9-97DC-35FBB5E54714}" type="datetimeFigureOut">
               <a:rPr lang="en-US" smtClean="0"/>
-              <a:t>9/8/2021</a:t>
+              <a:t>10/1/2021</a:t>
             </a:fld>
             <a:endParaRPr lang="en-US"/>
           </a:p>
@@ -3427,8 +3427,8 @@
         </p:blipFill>
         <p:spPr>
           <a:xfrm>
-            <a:off x="5578493" y="615691"/>
-            <a:ext cx="5068834" cy="3340615"/>
+            <a:off x="5578494" y="615692"/>
+            <a:ext cx="5034889" cy="3318244"/>
           </a:xfrm>
           <a:prstGeom prst="rect">
             <a:avLst/>
@@ -3469,6 +3469,166 @@
                 <a:cs typeface="Times New Roman" panose="02020603050405020304" pitchFamily="18" charset="0"/>
               </a:rPr>
               <a:t>A</a:t>
+            </a:r>
+          </a:p>
+        </p:txBody>
+      </p:sp>
+      <p:sp>
+        <p:nvSpPr>
+          <p:cNvPr id="2" name="TextBox 1">
+            <a:extLst>
+              <a:ext uri="{FF2B5EF4-FFF2-40B4-BE49-F238E27FC236}">
+                <a16:creationId xmlns:a16="http://schemas.microsoft.com/office/drawing/2014/main" id="{6CB3FD25-78BB-408C-AE52-CA9C7449B9D9}"/>
+              </a:ext>
+            </a:extLst>
+          </p:cNvPr>
+          <p:cNvSpPr txBox="1"/>
+          <p:nvPr/>
+        </p:nvSpPr>
+        <p:spPr>
+          <a:xfrm>
+            <a:off x="2875339" y="3648529"/>
+            <a:ext cx="655408" cy="307777"/>
+          </a:xfrm>
+          <a:prstGeom prst="rect">
+            <a:avLst/>
+          </a:prstGeom>
+          <a:solidFill>
+            <a:schemeClr val="bg1"/>
+          </a:solidFill>
+        </p:spPr>
+        <p:txBody>
+          <a:bodyPr wrap="square" rtlCol="0">
+            <a:spAutoFit/>
+          </a:bodyPr>
+          <a:lstStyle/>
+          <a:p>
+            <a:r>
+              <a:rPr lang="en-US" sz="1400" dirty="0">
+                <a:latin typeface="Times New Roman" panose="02020603050405020304" pitchFamily="18" charset="0"/>
+                <a:cs typeface="Times New Roman" panose="02020603050405020304" pitchFamily="18" charset="0"/>
+              </a:rPr>
+              <a:t>U3</a:t>
+            </a:r>
+          </a:p>
+        </p:txBody>
+      </p:sp>
+      <p:sp>
+        <p:nvSpPr>
+          <p:cNvPr id="7" name="TextBox 6">
+            <a:extLst>
+              <a:ext uri="{FF2B5EF4-FFF2-40B4-BE49-F238E27FC236}">
+                <a16:creationId xmlns:a16="http://schemas.microsoft.com/office/drawing/2014/main" id="{22917122-E18D-4F81-8B78-7855067D526A}"/>
+              </a:ext>
+            </a:extLst>
+          </p:cNvPr>
+          <p:cNvSpPr txBox="1"/>
+          <p:nvPr/>
+        </p:nvSpPr>
+        <p:spPr>
+          <a:xfrm rot="16200000">
+            <a:off x="-156121" y="1774470"/>
+            <a:ext cx="655408" cy="307777"/>
+          </a:xfrm>
+          <a:prstGeom prst="rect">
+            <a:avLst/>
+          </a:prstGeom>
+          <a:solidFill>
+            <a:schemeClr val="bg1"/>
+          </a:solidFill>
+        </p:spPr>
+        <p:txBody>
+          <a:bodyPr wrap="square" rtlCol="0">
+            <a:spAutoFit/>
+          </a:bodyPr>
+          <a:lstStyle/>
+          <a:p>
+            <a:r>
+              <a:rPr lang="en-US" sz="1400" dirty="0">
+                <a:latin typeface="Times New Roman" panose="02020603050405020304" pitchFamily="18" charset="0"/>
+                <a:cs typeface="Times New Roman" panose="02020603050405020304" pitchFamily="18" charset="0"/>
+              </a:rPr>
+              <a:t>U4</a:t>
+            </a:r>
+          </a:p>
+        </p:txBody>
+      </p:sp>
+      <p:sp>
+        <p:nvSpPr>
+          <p:cNvPr id="8" name="TextBox 7">
+            <a:extLst>
+              <a:ext uri="{FF2B5EF4-FFF2-40B4-BE49-F238E27FC236}">
+                <a16:creationId xmlns:a16="http://schemas.microsoft.com/office/drawing/2014/main" id="{8DCD4784-93DF-4B4D-BC4C-51981FFF914A}"/>
+              </a:ext>
+            </a:extLst>
+          </p:cNvPr>
+          <p:cNvSpPr txBox="1"/>
+          <p:nvPr/>
+        </p:nvSpPr>
+        <p:spPr>
+          <a:xfrm rot="16200000">
+            <a:off x="4634672" y="1664455"/>
+            <a:ext cx="2093308" cy="307777"/>
+          </a:xfrm>
+          <a:prstGeom prst="rect">
+            <a:avLst/>
+          </a:prstGeom>
+          <a:solidFill>
+            <a:schemeClr val="bg1"/>
+          </a:solidFill>
+        </p:spPr>
+        <p:txBody>
+          <a:bodyPr wrap="square" rtlCol="0">
+            <a:spAutoFit/>
+          </a:bodyPr>
+          <a:lstStyle/>
+          <a:p>
+            <a:r>
+              <a:rPr lang="en-US" sz="1400" dirty="0">
+                <a:latin typeface="Times New Roman" panose="02020603050405020304" pitchFamily="18" charset="0"/>
+                <a:cs typeface="Times New Roman" panose="02020603050405020304" pitchFamily="18" charset="0"/>
+              </a:rPr>
+              <a:t>Mean ||(u1, …, u5)||</a:t>
+            </a:r>
+          </a:p>
+        </p:txBody>
+      </p:sp>
+      <p:sp>
+        <p:nvSpPr>
+          <p:cNvPr id="9" name="TextBox 8">
+            <a:extLst>
+              <a:ext uri="{FF2B5EF4-FFF2-40B4-BE49-F238E27FC236}">
+                <a16:creationId xmlns:a16="http://schemas.microsoft.com/office/drawing/2014/main" id="{ECD0771B-AFF0-4473-8206-92D811B51B2B}"/>
+              </a:ext>
+            </a:extLst>
+          </p:cNvPr>
+          <p:cNvSpPr txBox="1"/>
+          <p:nvPr/>
+        </p:nvSpPr>
+        <p:spPr>
+          <a:xfrm>
+            <a:off x="7625413" y="3648529"/>
+            <a:ext cx="2093308" cy="307777"/>
+          </a:xfrm>
+          <a:prstGeom prst="rect">
+            <a:avLst/>
+          </a:prstGeom>
+          <a:solidFill>
+            <a:schemeClr val="bg1"/>
+          </a:solidFill>
+        </p:spPr>
+        <p:txBody>
+          <a:bodyPr wrap="square" rtlCol="0">
+            <a:spAutoFit/>
+          </a:bodyPr>
+          <a:lstStyle/>
+          <a:p>
+            <a:r>
+              <a:rPr lang="en-US" sz="1400" dirty="0">
+                <a:latin typeface="Times New Roman" panose="02020603050405020304" pitchFamily="18" charset="0"/>
+                <a:cs typeface="Times New Roman" panose="02020603050405020304" pitchFamily="18" charset="0"/>
+              </a:rPr>
+              <a:t>Shortest Path Length</a:t>
             </a:r>
           </a:p>
         </p:txBody>
